--- a/assets/architecture/Radix.pptx
+++ b/assets/architecture/Radix.pptx
@@ -12,10 +12,10 @@
     <p:sldId id="270" r:id="rId6"/>
     <p:sldId id="262" r:id="rId7"/>
     <p:sldId id="265" r:id="rId8"/>
-    <p:sldId id="266" r:id="rId9"/>
-    <p:sldId id="264" r:id="rId10"/>
-    <p:sldId id="267" r:id="rId11"/>
-    <p:sldId id="269" r:id="rId12"/>
+    <p:sldId id="271" r:id="rId9"/>
+    <p:sldId id="266" r:id="rId10"/>
+    <p:sldId id="264" r:id="rId11"/>
+    <p:sldId id="267" r:id="rId12"/>
     <p:sldId id="268" r:id="rId13"/>
   </p:sldIdLst>
   <p:sldSz cx="12192000" cy="6858000"/>
@@ -868,7 +868,7 @@
           <a:p>
             <a:fld id="{A1102DAC-4C15-4765-A903-EEB86D280D03}" type="datetimeFigureOut">
               <a:rPr lang="ru-RU" smtClean="0"/>
-              <a:t>19.10.2017</a:t>
+              <a:t>18.12.2017</a:t>
             </a:fld>
             <a:endParaRPr lang="ru-RU"/>
           </a:p>
@@ -1119,7 +1119,7 @@
           <a:p>
             <a:fld id="{A1102DAC-4C15-4765-A903-EEB86D280D03}" type="datetimeFigureOut">
               <a:rPr lang="ru-RU" smtClean="0"/>
-              <a:t>19.10.2017</a:t>
+              <a:t>18.12.2017</a:t>
             </a:fld>
             <a:endParaRPr lang="ru-RU"/>
           </a:p>
@@ -1433,7 +1433,7 @@
           <a:p>
             <a:fld id="{A1102DAC-4C15-4765-A903-EEB86D280D03}" type="datetimeFigureOut">
               <a:rPr lang="ru-RU" smtClean="0"/>
-              <a:t>19.10.2017</a:t>
+              <a:t>18.12.2017</a:t>
             </a:fld>
             <a:endParaRPr lang="ru-RU"/>
           </a:p>
@@ -1766,7 +1766,7 @@
           <a:p>
             <a:fld id="{A1102DAC-4C15-4765-A903-EEB86D280D03}" type="datetimeFigureOut">
               <a:rPr lang="ru-RU" smtClean="0"/>
-              <a:t>19.10.2017</a:t>
+              <a:t>18.12.2017</a:t>
             </a:fld>
             <a:endParaRPr lang="ru-RU"/>
           </a:p>
@@ -2080,7 +2080,7 @@
           <a:p>
             <a:fld id="{A1102DAC-4C15-4765-A903-EEB86D280D03}" type="datetimeFigureOut">
               <a:rPr lang="ru-RU" smtClean="0"/>
-              <a:t>19.10.2017</a:t>
+              <a:t>18.12.2017</a:t>
             </a:fld>
             <a:endParaRPr lang="ru-RU"/>
           </a:p>
@@ -2473,7 +2473,7 @@
           <a:p>
             <a:fld id="{A1102DAC-4C15-4765-A903-EEB86D280D03}" type="datetimeFigureOut">
               <a:rPr lang="ru-RU" smtClean="0"/>
-              <a:t>19.10.2017</a:t>
+              <a:t>18.12.2017</a:t>
             </a:fld>
             <a:endParaRPr lang="ru-RU"/>
           </a:p>
@@ -2643,7 +2643,7 @@
           <a:p>
             <a:fld id="{A1102DAC-4C15-4765-A903-EEB86D280D03}" type="datetimeFigureOut">
               <a:rPr lang="ru-RU" smtClean="0"/>
-              <a:t>19.10.2017</a:t>
+              <a:t>18.12.2017</a:t>
             </a:fld>
             <a:endParaRPr lang="ru-RU"/>
           </a:p>
@@ -2823,7 +2823,7 @@
           <a:p>
             <a:fld id="{A1102DAC-4C15-4765-A903-EEB86D280D03}" type="datetimeFigureOut">
               <a:rPr lang="ru-RU" smtClean="0"/>
-              <a:t>19.10.2017</a:t>
+              <a:t>18.12.2017</a:t>
             </a:fld>
             <a:endParaRPr lang="ru-RU"/>
           </a:p>
@@ -2993,7 +2993,7 @@
           <a:p>
             <a:fld id="{A1102DAC-4C15-4765-A903-EEB86D280D03}" type="datetimeFigureOut">
               <a:rPr lang="ru-RU" smtClean="0"/>
-              <a:t>19.10.2017</a:t>
+              <a:t>18.12.2017</a:t>
             </a:fld>
             <a:endParaRPr lang="ru-RU"/>
           </a:p>
@@ -3240,7 +3240,7 @@
           <a:p>
             <a:fld id="{A1102DAC-4C15-4765-A903-EEB86D280D03}" type="datetimeFigureOut">
               <a:rPr lang="ru-RU" smtClean="0"/>
-              <a:t>19.10.2017</a:t>
+              <a:t>18.12.2017</a:t>
             </a:fld>
             <a:endParaRPr lang="ru-RU"/>
           </a:p>
@@ -3472,7 +3472,7 @@
           <a:p>
             <a:fld id="{A1102DAC-4C15-4765-A903-EEB86D280D03}" type="datetimeFigureOut">
               <a:rPr lang="ru-RU" smtClean="0"/>
-              <a:t>19.10.2017</a:t>
+              <a:t>18.12.2017</a:t>
             </a:fld>
             <a:endParaRPr lang="ru-RU"/>
           </a:p>
@@ -3846,7 +3846,7 @@
           <a:p>
             <a:fld id="{A1102DAC-4C15-4765-A903-EEB86D280D03}" type="datetimeFigureOut">
               <a:rPr lang="ru-RU" smtClean="0"/>
-              <a:t>19.10.2017</a:t>
+              <a:t>18.12.2017</a:t>
             </a:fld>
             <a:endParaRPr lang="ru-RU"/>
           </a:p>
@@ -3969,7 +3969,7 @@
           <a:p>
             <a:fld id="{A1102DAC-4C15-4765-A903-EEB86D280D03}" type="datetimeFigureOut">
               <a:rPr lang="ru-RU" smtClean="0"/>
-              <a:t>19.10.2017</a:t>
+              <a:t>18.12.2017</a:t>
             </a:fld>
             <a:endParaRPr lang="ru-RU"/>
           </a:p>
@@ -4064,7 +4064,7 @@
           <a:p>
             <a:fld id="{A1102DAC-4C15-4765-A903-EEB86D280D03}" type="datetimeFigureOut">
               <a:rPr lang="ru-RU" smtClean="0"/>
-              <a:t>19.10.2017</a:t>
+              <a:t>18.12.2017</a:t>
             </a:fld>
             <a:endParaRPr lang="ru-RU"/>
           </a:p>
@@ -4319,7 +4319,7 @@
           <a:p>
             <a:fld id="{A1102DAC-4C15-4765-A903-EEB86D280D03}" type="datetimeFigureOut">
               <a:rPr lang="ru-RU" smtClean="0"/>
-              <a:t>19.10.2017</a:t>
+              <a:t>18.12.2017</a:t>
             </a:fld>
             <a:endParaRPr lang="ru-RU"/>
           </a:p>
@@ -4624,7 +4624,7 @@
           <a:p>
             <a:fld id="{A1102DAC-4C15-4765-A903-EEB86D280D03}" type="datetimeFigureOut">
               <a:rPr lang="ru-RU" smtClean="0"/>
-              <a:t>19.10.2017</a:t>
+              <a:t>18.12.2017</a:t>
             </a:fld>
             <a:endParaRPr lang="ru-RU"/>
           </a:p>
@@ -5326,7 +5326,7 @@
           <a:p>
             <a:fld id="{A1102DAC-4C15-4765-A903-EEB86D280D03}" type="datetimeFigureOut">
               <a:rPr lang="ru-RU" smtClean="0"/>
-              <a:t>19.10.2017</a:t>
+              <a:t>18.12.2017</a:t>
             </a:fld>
             <a:endParaRPr lang="ru-RU"/>
           </a:p>
@@ -6044,6 +6044,341 @@
       </p:grpSpPr>
       <p:sp>
         <p:nvSpPr>
+          <p:cNvPr id="2" name="Заголовок 1"/>
+          <p:cNvSpPr>
+            <a:spLocks noGrp="1"/>
+          </p:cNvSpPr>
+          <p:nvPr>
+            <p:ph type="title"/>
+          </p:nvPr>
+        </p:nvSpPr>
+        <p:spPr>
+          <a:xfrm>
+            <a:off x="677334" y="592182"/>
+            <a:ext cx="8596668" cy="1320800"/>
+          </a:xfrm>
+        </p:spPr>
+        <p:txBody>
+          <a:bodyPr>
+            <a:normAutofit/>
+          </a:bodyPr>
+          <a:lstStyle/>
+          <a:p>
+            <a:r>
+              <a:rPr lang="ru-RU" sz="4000" dirty="0" smtClean="0">
+                <a:latin typeface="Segoe UI" panose="020B0502040204020203" pitchFamily="34" charset="0"/>
+                <a:cs typeface="Segoe UI" panose="020B0502040204020203" pitchFamily="34" charset="0"/>
+              </a:rPr>
+              <a:t>Преимущества </a:t>
+            </a:r>
+            <a:r>
+              <a:rPr lang="en-US" sz="4000" dirty="0" smtClean="0">
+                <a:latin typeface="Segoe UI" panose="020B0502040204020203" pitchFamily="34" charset="0"/>
+                <a:cs typeface="Segoe UI" panose="020B0502040204020203" pitchFamily="34" charset="0"/>
+              </a:rPr>
+              <a:t>root</a:t>
+            </a:r>
+            <a:r>
+              <a:rPr lang="ru-RU" sz="4000" dirty="0" smtClean="0">
+                <a:latin typeface="Segoe UI" panose="020B0502040204020203" pitchFamily="34" charset="0"/>
+                <a:cs typeface="Segoe UI" panose="020B0502040204020203" pitchFamily="34" charset="0"/>
+              </a:rPr>
+              <a:t>-прав</a:t>
+            </a:r>
+            <a:endParaRPr lang="ru-RU" sz="4000" dirty="0">
+              <a:latin typeface="Segoe UI" panose="020B0502040204020203" pitchFamily="34" charset="0"/>
+              <a:cs typeface="Segoe UI" panose="020B0502040204020203" pitchFamily="34" charset="0"/>
+            </a:endParaRPr>
+          </a:p>
+        </p:txBody>
+      </p:sp>
+      <p:sp>
+        <p:nvSpPr>
+          <p:cNvPr id="3" name="Объект 2"/>
+          <p:cNvSpPr>
+            <a:spLocks noGrp="1"/>
+          </p:cNvSpPr>
+          <p:nvPr>
+            <p:ph idx="1"/>
+          </p:nvPr>
+        </p:nvSpPr>
+        <p:spPr>
+          <a:xfrm>
+            <a:off x="677334" y="1805577"/>
+            <a:ext cx="8596668" cy="4444274"/>
+          </a:xfrm>
+        </p:spPr>
+        <p:txBody>
+          <a:bodyPr>
+            <a:noAutofit/>
+          </a:bodyPr>
+          <a:lstStyle/>
+          <a:p>
+            <a:r>
+              <a:rPr lang="ru-RU" dirty="0" smtClean="0">
+                <a:latin typeface="Segoe UI Semilight" panose="020B0402040204020203" pitchFamily="34" charset="0"/>
+                <a:cs typeface="Segoe UI Semilight" panose="020B0402040204020203" pitchFamily="34" charset="0"/>
+              </a:rPr>
+              <a:t>Открывается горизонт новых возможностей</a:t>
+            </a:r>
+            <a:r>
+              <a:rPr lang="en-US" dirty="0" smtClean="0">
+                <a:latin typeface="Segoe UI Semilight" panose="020B0402040204020203" pitchFamily="34" charset="0"/>
+                <a:cs typeface="Segoe UI Semilight" panose="020B0402040204020203" pitchFamily="34" charset="0"/>
+              </a:rPr>
+              <a:t>:</a:t>
+            </a:r>
+            <a:endParaRPr lang="ru-RU" dirty="0" smtClean="0">
+              <a:latin typeface="Segoe UI Semilight" panose="020B0402040204020203" pitchFamily="34" charset="0"/>
+              <a:cs typeface="Segoe UI Semilight" panose="020B0402040204020203" pitchFamily="34" charset="0"/>
+            </a:endParaRPr>
+          </a:p>
+          <a:p>
+            <a:pPr lvl="1">
+              <a:buFont typeface="Arial" panose="020B0604020202020204" pitchFamily="34" charset="0"/>
+              <a:buChar char="•"/>
+            </a:pPr>
+            <a:r>
+              <a:rPr lang="ru-RU" sz="1400" dirty="0" smtClean="0">
+                <a:latin typeface="Segoe UI Semilight" panose="020B0402040204020203" pitchFamily="34" charset="0"/>
+                <a:cs typeface="Segoe UI Semilight" panose="020B0402040204020203" pitchFamily="34" charset="0"/>
+              </a:rPr>
+              <a:t>Ограничение интернет трафика в мобильных сетях</a:t>
+            </a:r>
+            <a:r>
+              <a:rPr lang="en-US" sz="1400" dirty="0" smtClean="0">
+                <a:latin typeface="Segoe UI Semilight" panose="020B0402040204020203" pitchFamily="34" charset="0"/>
+                <a:cs typeface="Segoe UI Semilight" panose="020B0402040204020203" pitchFamily="34" charset="0"/>
+              </a:rPr>
+              <a:t>;</a:t>
+            </a:r>
+            <a:endParaRPr lang="ru-RU" sz="1400" dirty="0" smtClean="0">
+              <a:latin typeface="Segoe UI Semilight" panose="020B0402040204020203" pitchFamily="34" charset="0"/>
+              <a:cs typeface="Segoe UI Semilight" panose="020B0402040204020203" pitchFamily="34" charset="0"/>
+            </a:endParaRPr>
+          </a:p>
+          <a:p>
+            <a:pPr lvl="1">
+              <a:buFont typeface="Arial" panose="020B0604020202020204" pitchFamily="34" charset="0"/>
+              <a:buChar char="•"/>
+            </a:pPr>
+            <a:r>
+              <a:rPr lang="ru-RU" sz="1400" dirty="0" smtClean="0">
+                <a:latin typeface="Segoe UI Semilight" panose="020B0402040204020203" pitchFamily="34" charset="0"/>
+                <a:cs typeface="Segoe UI Semilight" panose="020B0402040204020203" pitchFamily="34" charset="0"/>
+              </a:rPr>
+              <a:t>Блокирование рекламы</a:t>
+            </a:r>
+            <a:r>
+              <a:rPr lang="en-US" sz="1400" dirty="0" smtClean="0">
+                <a:latin typeface="Segoe UI Semilight" panose="020B0402040204020203" pitchFamily="34" charset="0"/>
+                <a:cs typeface="Segoe UI Semilight" panose="020B0402040204020203" pitchFamily="34" charset="0"/>
+              </a:rPr>
+              <a:t>;</a:t>
+            </a:r>
+            <a:endParaRPr lang="ru-RU" sz="1400" dirty="0" smtClean="0">
+              <a:latin typeface="Segoe UI Semilight" panose="020B0402040204020203" pitchFamily="34" charset="0"/>
+              <a:cs typeface="Segoe UI Semilight" panose="020B0402040204020203" pitchFamily="34" charset="0"/>
+            </a:endParaRPr>
+          </a:p>
+          <a:p>
+            <a:pPr lvl="1">
+              <a:buFont typeface="Arial" panose="020B0604020202020204" pitchFamily="34" charset="0"/>
+              <a:buChar char="•"/>
+            </a:pPr>
+            <a:r>
+              <a:rPr lang="ru-RU" sz="1400" dirty="0" smtClean="0">
+                <a:latin typeface="Segoe UI Semilight" panose="020B0402040204020203" pitchFamily="34" charset="0"/>
+                <a:cs typeface="Segoe UI Semilight" panose="020B0402040204020203" pitchFamily="34" charset="0"/>
+              </a:rPr>
+              <a:t>Контроль </a:t>
+            </a:r>
+            <a:r>
+              <a:rPr lang="ru-RU" sz="1400" dirty="0">
+                <a:latin typeface="Segoe UI Semilight" panose="020B0402040204020203" pitchFamily="34" charset="0"/>
+                <a:cs typeface="Segoe UI Semilight" panose="020B0402040204020203" pitchFamily="34" charset="0"/>
+              </a:rPr>
+              <a:t>действий </a:t>
+            </a:r>
+            <a:r>
+              <a:rPr lang="ru-RU" sz="1400" dirty="0" smtClean="0">
+                <a:latin typeface="Segoe UI Semilight" panose="020B0402040204020203" pitchFamily="34" charset="0"/>
+                <a:cs typeface="Segoe UI Semilight" panose="020B0402040204020203" pitchFamily="34" charset="0"/>
+              </a:rPr>
+              <a:t>приложений</a:t>
+            </a:r>
+            <a:r>
+              <a:rPr lang="en-US" sz="1400" dirty="0" smtClean="0">
+                <a:latin typeface="Segoe UI Semilight" panose="020B0402040204020203" pitchFamily="34" charset="0"/>
+                <a:cs typeface="Segoe UI Semilight" panose="020B0402040204020203" pitchFamily="34" charset="0"/>
+              </a:rPr>
+              <a:t>;</a:t>
+            </a:r>
+            <a:endParaRPr lang="ru-RU" sz="1400" dirty="0">
+              <a:latin typeface="Segoe UI Semilight" panose="020B0402040204020203" pitchFamily="34" charset="0"/>
+              <a:cs typeface="Segoe UI Semilight" panose="020B0402040204020203" pitchFamily="34" charset="0"/>
+            </a:endParaRPr>
+          </a:p>
+          <a:p>
+            <a:pPr lvl="1">
+              <a:buFont typeface="Arial" panose="020B0604020202020204" pitchFamily="34" charset="0"/>
+              <a:buChar char="•"/>
+            </a:pPr>
+            <a:r>
+              <a:rPr lang="ru-RU" sz="1400" dirty="0" smtClean="0">
+                <a:latin typeface="Segoe UI Semilight" panose="020B0402040204020203" pitchFamily="34" charset="0"/>
+                <a:cs typeface="Segoe UI Semilight" panose="020B0402040204020203" pitchFamily="34" charset="0"/>
+              </a:rPr>
+              <a:t>Замена </a:t>
+            </a:r>
+            <a:r>
+              <a:rPr lang="ru-RU" sz="1400" dirty="0">
+                <a:latin typeface="Segoe UI Semilight" panose="020B0402040204020203" pitchFamily="34" charset="0"/>
+                <a:cs typeface="Segoe UI Semilight" panose="020B0402040204020203" pitchFamily="34" charset="0"/>
+              </a:rPr>
+              <a:t>и удаление стандартных </a:t>
+            </a:r>
+            <a:r>
+              <a:rPr lang="ru-RU" sz="1400" dirty="0" smtClean="0">
+                <a:latin typeface="Segoe UI Semilight" panose="020B0402040204020203" pitchFamily="34" charset="0"/>
+                <a:cs typeface="Segoe UI Semilight" panose="020B0402040204020203" pitchFamily="34" charset="0"/>
+              </a:rPr>
+              <a:t>программ</a:t>
+            </a:r>
+            <a:r>
+              <a:rPr lang="en-US" sz="1400" dirty="0" smtClean="0">
+                <a:latin typeface="Segoe UI Semilight" panose="020B0402040204020203" pitchFamily="34" charset="0"/>
+                <a:cs typeface="Segoe UI Semilight" panose="020B0402040204020203" pitchFamily="34" charset="0"/>
+              </a:rPr>
+              <a:t>;</a:t>
+            </a:r>
+            <a:endParaRPr lang="ru-RU" sz="1400" dirty="0">
+              <a:latin typeface="Segoe UI Semilight" panose="020B0402040204020203" pitchFamily="34" charset="0"/>
+              <a:cs typeface="Segoe UI Semilight" panose="020B0402040204020203" pitchFamily="34" charset="0"/>
+            </a:endParaRPr>
+          </a:p>
+          <a:p>
+            <a:pPr lvl="1">
+              <a:buFont typeface="Arial" panose="020B0604020202020204" pitchFamily="34" charset="0"/>
+              <a:buChar char="•"/>
+            </a:pPr>
+            <a:r>
+              <a:rPr lang="ru-RU" sz="1400" dirty="0">
+                <a:latin typeface="Segoe UI Semilight" panose="020B0402040204020203" pitchFamily="34" charset="0"/>
+                <a:cs typeface="Segoe UI Semilight" panose="020B0402040204020203" pitchFamily="34" charset="0"/>
+              </a:rPr>
+              <a:t>Перенос данных и создание резервных копий </a:t>
+            </a:r>
+            <a:r>
+              <a:rPr lang="ru-RU" sz="1400" dirty="0" smtClean="0">
+                <a:latin typeface="Segoe UI Semilight" panose="020B0402040204020203" pitchFamily="34" charset="0"/>
+                <a:cs typeface="Segoe UI Semilight" panose="020B0402040204020203" pitchFamily="34" charset="0"/>
+              </a:rPr>
+              <a:t>приложений и др.</a:t>
+            </a:r>
+            <a:endParaRPr lang="ru-RU" sz="1400" dirty="0">
+              <a:latin typeface="Segoe UI Semilight" panose="020B0402040204020203" pitchFamily="34" charset="0"/>
+              <a:cs typeface="Segoe UI Semilight" panose="020B0402040204020203" pitchFamily="34" charset="0"/>
+            </a:endParaRPr>
+          </a:p>
+        </p:txBody>
+      </p:sp>
+      <p:pic>
+        <p:nvPicPr>
+          <p:cNvPr id="2050" name="Picture 2" descr="Картинки по запросу root android"/>
+          <p:cNvPicPr>
+            <a:picLocks noChangeAspect="1" noChangeArrowheads="1"/>
+          </p:cNvPicPr>
+          <p:nvPr/>
+        </p:nvPicPr>
+        <p:blipFill>
+          <a:blip r:embed="rId2" cstate="print">
+            <a:duotone>
+              <a:schemeClr val="accent1">
+                <a:shade val="45000"/>
+                <a:satMod val="135000"/>
+              </a:schemeClr>
+              <a:prstClr val="white"/>
+            </a:duotone>
+            <a:extLst>
+              <a:ext uri="{BEBA8EAE-BF5A-486C-A8C5-ECC9F3942E4B}">
+                <a14:imgProps xmlns:a14="http://schemas.microsoft.com/office/drawing/2010/main">
+                  <a14:imgLayer r:embed="rId3">
+                    <a14:imgEffect>
+                      <a14:sharpenSoften amount="25000"/>
+                    </a14:imgEffect>
+                  </a14:imgLayer>
+                </a14:imgProps>
+              </a:ext>
+              <a:ext uri="{28A0092B-C50C-407E-A947-70E740481C1C}">
+                <a14:useLocalDpi xmlns:a14="http://schemas.microsoft.com/office/drawing/2010/main" val="0"/>
+              </a:ext>
+            </a:extLst>
+          </a:blip>
+          <a:srcRect/>
+          <a:stretch>
+            <a:fillRect/>
+          </a:stretch>
+        </p:blipFill>
+        <p:spPr bwMode="auto">
+          <a:xfrm>
+            <a:off x="677334" y="4659086"/>
+            <a:ext cx="2168733" cy="2198914"/>
+          </a:xfrm>
+          <a:prstGeom prst="rect">
+            <a:avLst/>
+          </a:prstGeom>
+          <a:noFill/>
+          <a:extLst>
+            <a:ext uri="{909E8E84-426E-40DD-AFC4-6F175D3DCCD1}">
+              <a14:hiddenFill xmlns:a14="http://schemas.microsoft.com/office/drawing/2010/main">
+                <a:solidFill>
+                  <a:srgbClr val="FFFFFF"/>
+                </a:solidFill>
+              </a14:hiddenFill>
+            </a:ext>
+          </a:extLst>
+        </p:spPr>
+      </p:pic>
+    </p:spTree>
+    <p:extLst>
+      <p:ext uri="{BB962C8B-B14F-4D97-AF65-F5344CB8AC3E}">
+        <p14:creationId xmlns:p14="http://schemas.microsoft.com/office/powerpoint/2010/main" val="1347771005"/>
+      </p:ext>
+    </p:extLst>
+  </p:cSld>
+  <p:clrMapOvr>
+    <a:masterClrMapping/>
+  </p:clrMapOvr>
+  <p:timing>
+    <p:tnLst>
+      <p:par>
+        <p:cTn id="1" dur="indefinite" restart="never" nodeType="tmRoot"/>
+      </p:par>
+    </p:tnLst>
+  </p:timing>
+</p:sld>
+</file>
+
+<file path=ppt/slides/slide11.xml><?xml version="1.0" encoding="utf-8"?>
+<p:sld xmlns:a="http://schemas.openxmlformats.org/drawingml/2006/main" xmlns:r="http://schemas.openxmlformats.org/officeDocument/2006/relationships" xmlns:p="http://schemas.openxmlformats.org/presentationml/2006/main">
+  <p:cSld>
+    <p:spTree>
+      <p:nvGrpSpPr>
+        <p:cNvPr id="1" name=""/>
+        <p:cNvGrpSpPr/>
+        <p:nvPr/>
+      </p:nvGrpSpPr>
+      <p:grpSpPr>
+        <a:xfrm>
+          <a:off x="0" y="0"/>
+          <a:ext cx="0" cy="0"/>
+          <a:chOff x="0" y="0"/>
+          <a:chExt cx="0" cy="0"/>
+        </a:xfrm>
+      </p:grpSpPr>
+      <p:sp>
+        <p:nvSpPr>
           <p:cNvPr id="4" name="Объект 2"/>
           <p:cNvSpPr txBox="1">
             <a:spLocks/>
@@ -6428,233 +6763,6 @@
     <p:extLst>
       <p:ext uri="{BB962C8B-B14F-4D97-AF65-F5344CB8AC3E}">
         <p14:creationId xmlns:p14="http://schemas.microsoft.com/office/powerpoint/2010/main" val="2634327017"/>
-      </p:ext>
-    </p:extLst>
-  </p:cSld>
-  <p:clrMapOvr>
-    <a:masterClrMapping/>
-  </p:clrMapOvr>
-  <p:timing>
-    <p:tnLst>
-      <p:par>
-        <p:cTn id="1" dur="indefinite" restart="never" nodeType="tmRoot"/>
-      </p:par>
-    </p:tnLst>
-  </p:timing>
-</p:sld>
-</file>
-
-<file path=ppt/slides/slide11.xml><?xml version="1.0" encoding="utf-8"?>
-<p:sld xmlns:a="http://schemas.openxmlformats.org/drawingml/2006/main" xmlns:r="http://schemas.openxmlformats.org/officeDocument/2006/relationships" xmlns:p="http://schemas.openxmlformats.org/presentationml/2006/main">
-  <p:cSld>
-    <p:spTree>
-      <p:nvGrpSpPr>
-        <p:cNvPr id="1" name=""/>
-        <p:cNvGrpSpPr/>
-        <p:nvPr/>
-      </p:nvGrpSpPr>
-      <p:grpSpPr>
-        <a:xfrm>
-          <a:off x="0" y="0"/>
-          <a:ext cx="0" cy="0"/>
-          <a:chOff x="0" y="0"/>
-          <a:chExt cx="0" cy="0"/>
-        </a:xfrm>
-      </p:grpSpPr>
-      <p:sp>
-        <p:nvSpPr>
-          <p:cNvPr id="2" name="Заголовок 1"/>
-          <p:cNvSpPr>
-            <a:spLocks noGrp="1"/>
-          </p:cNvSpPr>
-          <p:nvPr>
-            <p:ph type="title"/>
-          </p:nvPr>
-        </p:nvSpPr>
-        <p:spPr/>
-        <p:txBody>
-          <a:bodyPr/>
-          <a:lstStyle/>
-          <a:p>
-            <a:r>
-              <a:rPr lang="ru-RU" dirty="0" smtClean="0">
-                <a:latin typeface="Segoe UI" panose="020B0502040204020203" pitchFamily="34" charset="0"/>
-                <a:cs typeface="Segoe UI" panose="020B0502040204020203" pitchFamily="34" charset="0"/>
-              </a:rPr>
-              <a:t>Как это будет выглядеть</a:t>
-            </a:r>
-            <a:endParaRPr lang="ru-RU" dirty="0"/>
-          </a:p>
-        </p:txBody>
-      </p:sp>
-      <p:sp>
-        <p:nvSpPr>
-          <p:cNvPr id="3" name="Объект 2"/>
-          <p:cNvSpPr>
-            <a:spLocks noGrp="1"/>
-          </p:cNvSpPr>
-          <p:nvPr>
-            <p:ph idx="1"/>
-          </p:nvPr>
-        </p:nvSpPr>
-        <p:spPr>
-          <a:xfrm>
-            <a:off x="677334" y="6627222"/>
-            <a:ext cx="2684175" cy="230777"/>
-          </a:xfrm>
-        </p:spPr>
-        <p:txBody>
-          <a:bodyPr>
-            <a:normAutofit lnSpcReduction="10000"/>
-          </a:bodyPr>
-          <a:lstStyle/>
-          <a:p>
-            <a:pPr marL="0" indent="0">
-              <a:buNone/>
-            </a:pPr>
-            <a:r>
-              <a:rPr lang="ru-RU" sz="1000" dirty="0">
-                <a:latin typeface="Segoe UI Light" panose="020B0502040204020203" pitchFamily="34" charset="0"/>
-                <a:cs typeface="Segoe UI Light" panose="020B0502040204020203" pitchFamily="34" charset="0"/>
-              </a:rPr>
-              <a:t>Савелий, где концепты,</a:t>
-            </a:r>
-            <a:r>
-              <a:rPr lang="en-US" sz="1000" dirty="0">
-                <a:latin typeface="Segoe UI Light" panose="020B0502040204020203" pitchFamily="34" charset="0"/>
-                <a:cs typeface="Segoe UI Light" panose="020B0502040204020203" pitchFamily="34" charset="0"/>
-              </a:rPr>
-              <a:t> </a:t>
-            </a:r>
-            <a:r>
-              <a:rPr lang="en-US" sz="1000" dirty="0" err="1">
-                <a:latin typeface="Segoe UI Light" panose="020B0502040204020203" pitchFamily="34" charset="0"/>
-                <a:cs typeface="Segoe UI Light" panose="020B0502040204020203" pitchFamily="34" charset="0"/>
-              </a:rPr>
-              <a:t>bloede</a:t>
-            </a:r>
-            <a:r>
-              <a:rPr lang="en-US" sz="1000" dirty="0">
-                <a:latin typeface="Segoe UI Light" panose="020B0502040204020203" pitchFamily="34" charset="0"/>
-                <a:cs typeface="Segoe UI Light" panose="020B0502040204020203" pitchFamily="34" charset="0"/>
-              </a:rPr>
-              <a:t> </a:t>
-            </a:r>
-            <a:r>
-              <a:rPr lang="en-US" sz="1000" dirty="0" err="1">
-                <a:latin typeface="Segoe UI Light" panose="020B0502040204020203" pitchFamily="34" charset="0"/>
-                <a:cs typeface="Segoe UI Light" panose="020B0502040204020203" pitchFamily="34" charset="0"/>
-              </a:rPr>
-              <a:t>dh'oine</a:t>
-            </a:r>
-            <a:r>
-              <a:rPr lang="en-US" sz="1000" dirty="0">
-                <a:latin typeface="Segoe UI Light" panose="020B0502040204020203" pitchFamily="34" charset="0"/>
-                <a:cs typeface="Segoe UI Light" panose="020B0502040204020203" pitchFamily="34" charset="0"/>
-              </a:rPr>
-              <a:t>?</a:t>
-            </a:r>
-            <a:endParaRPr lang="ru-RU" sz="1000" dirty="0">
-              <a:latin typeface="Segoe UI Light" panose="020B0502040204020203" pitchFamily="34" charset="0"/>
-              <a:cs typeface="Segoe UI Light" panose="020B0502040204020203" pitchFamily="34" charset="0"/>
-            </a:endParaRPr>
-          </a:p>
-        </p:txBody>
-      </p:sp>
-      <p:pic>
-        <p:nvPicPr>
-          <p:cNvPr id="4" name="Рисунок 3"/>
-          <p:cNvPicPr>
-            <a:picLocks noChangeAspect="1"/>
-          </p:cNvPicPr>
-          <p:nvPr/>
-        </p:nvPicPr>
-        <p:blipFill>
-          <a:blip r:embed="rId2">
-            <a:extLst>
-              <a:ext uri="{28A0092B-C50C-407E-A947-70E740481C1C}">
-                <a14:useLocalDpi xmlns:a14="http://schemas.microsoft.com/office/drawing/2010/main" val="0"/>
-              </a:ext>
-            </a:extLst>
-          </a:blip>
-          <a:stretch>
-            <a:fillRect/>
-          </a:stretch>
-        </p:blipFill>
-        <p:spPr>
-          <a:xfrm>
-            <a:off x="1920235" y="1414419"/>
-            <a:ext cx="5219155" cy="3052713"/>
-          </a:xfrm>
-          <a:prstGeom prst="rect">
-            <a:avLst/>
-          </a:prstGeom>
-        </p:spPr>
-      </p:pic>
-      <p:pic>
-        <p:nvPicPr>
-          <p:cNvPr id="5" name="Рисунок 4"/>
-          <p:cNvPicPr>
-            <a:picLocks noChangeAspect="1"/>
-          </p:cNvPicPr>
-          <p:nvPr/>
-        </p:nvPicPr>
-        <p:blipFill>
-          <a:blip r:embed="rId3">
-            <a:extLst>
-              <a:ext uri="{28A0092B-C50C-407E-A947-70E740481C1C}">
-                <a14:useLocalDpi xmlns:a14="http://schemas.microsoft.com/office/drawing/2010/main" val="0"/>
-              </a:ext>
-            </a:extLst>
-          </a:blip>
-          <a:stretch>
-            <a:fillRect/>
-          </a:stretch>
-        </p:blipFill>
-        <p:spPr>
-          <a:xfrm>
-            <a:off x="4529813" y="4467133"/>
-            <a:ext cx="4087612" cy="2390867"/>
-          </a:xfrm>
-          <a:prstGeom prst="rect">
-            <a:avLst/>
-          </a:prstGeom>
-        </p:spPr>
-      </p:pic>
-      <p:pic>
-        <p:nvPicPr>
-          <p:cNvPr id="6" name="Рисунок 5"/>
-          <p:cNvPicPr>
-            <a:picLocks noChangeAspect="1"/>
-          </p:cNvPicPr>
-          <p:nvPr/>
-        </p:nvPicPr>
-        <p:blipFill>
-          <a:blip r:embed="rId4">
-            <a:extLst>
-              <a:ext uri="{28A0092B-C50C-407E-A947-70E740481C1C}">
-                <a14:useLocalDpi xmlns:a14="http://schemas.microsoft.com/office/drawing/2010/main" val="0"/>
-              </a:ext>
-            </a:extLst>
-          </a:blip>
-          <a:stretch>
-            <a:fillRect/>
-          </a:stretch>
-        </p:blipFill>
-        <p:spPr>
-          <a:xfrm>
-            <a:off x="448055" y="4467133"/>
-            <a:ext cx="4081757" cy="2387443"/>
-          </a:xfrm>
-          <a:prstGeom prst="rect">
-            <a:avLst/>
-          </a:prstGeom>
-        </p:spPr>
-      </p:pic>
-    </p:spTree>
-    <p:extLst>
-      <p:ext uri="{BB962C8B-B14F-4D97-AF65-F5344CB8AC3E}">
-        <p14:creationId xmlns:p14="http://schemas.microsoft.com/office/powerpoint/2010/main" val="3414515157"/>
       </p:ext>
     </p:extLst>
   </p:cSld>
@@ -7984,33 +8092,22 @@
                 <a:latin typeface="Segoe UI Semilight" panose="020B0402040204020203" pitchFamily="34" charset="0"/>
                 <a:cs typeface="Segoe UI Semilight" panose="020B0402040204020203" pitchFamily="34" charset="0"/>
               </a:rPr>
-              <a:t>Корецкий </a:t>
+              <a:t>Корецкий Даниил + </a:t>
+            </a:r>
+            <a:r>
+              <a:rPr lang="ru-RU" sz="1400" dirty="0" err="1" smtClean="0">
+                <a:latin typeface="Segoe UI Semilight" panose="020B0402040204020203" pitchFamily="34" charset="0"/>
+                <a:cs typeface="Segoe UI Semilight" panose="020B0402040204020203" pitchFamily="34" charset="0"/>
+              </a:rPr>
+              <a:t>Потоцкий</a:t>
             </a:r>
             <a:r>
               <a:rPr lang="ru-RU" sz="1400" dirty="0" smtClean="0">
                 <a:latin typeface="Segoe UI Semilight" panose="020B0402040204020203" pitchFamily="34" charset="0"/>
                 <a:cs typeface="Segoe UI Semilight" panose="020B0402040204020203" pitchFamily="34" charset="0"/>
               </a:rPr>
-              <a:t>Даниил + </a:t>
-            </a:r>
-            <a:r>
-              <a:rPr lang="ru-RU" sz="1400" dirty="0" err="1" smtClean="0">
-                <a:latin typeface="Segoe UI Semilight" panose="020B0402040204020203" pitchFamily="34" charset="0"/>
-                <a:cs typeface="Segoe UI Semilight" panose="020B0402040204020203" pitchFamily="34" charset="0"/>
-              </a:rPr>
-              <a:t>Потоцкий</a:t>
-            </a:r>
-            <a:r>
-              <a:rPr lang="ru-RU" sz="1400" dirty="0" smtClean="0">
-                <a:latin typeface="Segoe UI Semilight" panose="020B0402040204020203" pitchFamily="34" charset="0"/>
-                <a:cs typeface="Segoe UI Semilight" panose="020B0402040204020203" pitchFamily="34" charset="0"/>
-              </a:rPr>
               <a:t> Савелий</a:t>
             </a:r>
-            <a:endParaRPr lang="ru-RU" sz="1400" dirty="0" smtClean="0">
-              <a:latin typeface="Segoe UI Semilight" panose="020B0402040204020203" pitchFamily="34" charset="0"/>
-              <a:cs typeface="Segoe UI Semilight" panose="020B0402040204020203" pitchFamily="34" charset="0"/>
-            </a:endParaRPr>
           </a:p>
           <a:p>
             <a:pPr lvl="1">
@@ -8018,11 +8115,18 @@
               <a:buAutoNum type="arabicPeriod"/>
             </a:pPr>
             <a:r>
+              <a:rPr lang="ru-RU" sz="1400" smtClean="0">
+                <a:latin typeface="Segoe UI Semilight" panose="020B0402040204020203" pitchFamily="34" charset="0"/>
+                <a:cs typeface="Segoe UI Semilight" panose="020B0402040204020203" pitchFamily="34" charset="0"/>
+              </a:rPr>
+              <a:t>Создание архитектуры </a:t>
+            </a:r>
+            <a:r>
               <a:rPr lang="ru-RU" sz="1400" dirty="0" smtClean="0">
                 <a:latin typeface="Segoe UI Semilight" panose="020B0402040204020203" pitchFamily="34" charset="0"/>
                 <a:cs typeface="Segoe UI Semilight" panose="020B0402040204020203" pitchFamily="34" charset="0"/>
               </a:rPr>
-              <a:t>Создание инфраструктуры (6 </a:t>
+              <a:t>(6 </a:t>
             </a:r>
             <a:r>
               <a:rPr lang="ru-RU" sz="1400" dirty="0" err="1" smtClean="0">
@@ -8050,7 +8154,7 @@
                 <a:latin typeface="Segoe UI Semilight" panose="020B0402040204020203" pitchFamily="34" charset="0"/>
                 <a:cs typeface="Segoe UI Semilight" panose="020B0402040204020203" pitchFamily="34" charset="0"/>
               </a:rPr>
-              <a:t>	</a:t>
+              <a:t>		</a:t>
             </a:r>
             <a:r>
               <a:rPr lang="ru-RU" sz="1400" dirty="0" err="1" smtClean="0">
@@ -8427,28 +8531,7 @@
                 <a:latin typeface="Segoe UI Semilight" panose="020B0402040204020203" pitchFamily="34" charset="0"/>
                 <a:cs typeface="Segoe UI Semilight" panose="020B0402040204020203" pitchFamily="34" charset="0"/>
               </a:rPr>
-              <a:t>проектом (</a:t>
-            </a:r>
-            <a:r>
-              <a:rPr lang="ru-RU" sz="1600" dirty="0" smtClean="0">
-                <a:latin typeface="Segoe UI Semilight" panose="020B0402040204020203" pitchFamily="34" charset="0"/>
-                <a:cs typeface="Segoe UI Semilight" panose="020B0402040204020203" pitchFamily="34" charset="0"/>
-              </a:rPr>
-              <a:t>21.11-20.12</a:t>
-            </a:r>
-            <a:r>
-              <a:rPr lang="ru-RU" sz="1600" dirty="0" smtClean="0">
-                <a:latin typeface="Segoe UI Semilight" panose="020B0402040204020203" pitchFamily="34" charset="0"/>
-                <a:cs typeface="Segoe UI Semilight" panose="020B0402040204020203" pitchFamily="34" charset="0"/>
-              </a:rPr>
-              <a:t>, </a:t>
-            </a:r>
-            <a:r>
-              <a:rPr lang="ru-RU" sz="1600" dirty="0" smtClean="0">
-                <a:latin typeface="Segoe UI Semilight" panose="020B0402040204020203" pitchFamily="34" charset="0"/>
-                <a:cs typeface="Segoe UI Semilight" panose="020B0402040204020203" pitchFamily="34" charset="0"/>
-              </a:rPr>
-              <a:t>35 </a:t>
+              <a:t>проектом (21.11-20.12, 35 </a:t>
             </a:r>
             <a:r>
               <a:rPr lang="ru-RU" sz="1600" dirty="0" err="1" smtClean="0">
@@ -8475,63 +8558,49 @@
                 <a:latin typeface="Segoe UI Semilight" panose="020B0402040204020203" pitchFamily="34" charset="0"/>
                 <a:cs typeface="Segoe UI Semilight" panose="020B0402040204020203" pitchFamily="34" charset="0"/>
               </a:rPr>
-              <a:t>Тестирование и отладка </a:t>
+              <a:t>Тестирование и отладка (35 </a:t>
+            </a:r>
+            <a:r>
+              <a:rPr lang="ru-RU" sz="1400" dirty="0" err="1" smtClean="0">
+                <a:latin typeface="Segoe UI Semilight" panose="020B0402040204020203" pitchFamily="34" charset="0"/>
+                <a:cs typeface="Segoe UI Semilight" panose="020B0402040204020203" pitchFamily="34" charset="0"/>
+              </a:rPr>
+              <a:t>дн</a:t>
             </a:r>
             <a:r>
               <a:rPr lang="ru-RU" sz="1400" dirty="0" smtClean="0">
                 <a:latin typeface="Segoe UI Semilight" panose="020B0402040204020203" pitchFamily="34" charset="0"/>
                 <a:cs typeface="Segoe UI Semilight" panose="020B0402040204020203" pitchFamily="34" charset="0"/>
               </a:rPr>
-              <a:t>(35 </a:t>
+              <a:t>.)			</a:t>
+            </a:r>
+            <a:r>
+              <a:rPr lang="en-US" sz="1400" dirty="0" smtClean="0">
+                <a:latin typeface="Segoe UI Semilight" panose="020B0402040204020203" pitchFamily="34" charset="0"/>
+                <a:cs typeface="Segoe UI Semilight" panose="020B0402040204020203" pitchFamily="34" charset="0"/>
+              </a:rPr>
+              <a:t>	</a:t>
+            </a:r>
+            <a:r>
+              <a:rPr lang="ru-RU" sz="1400" dirty="0" smtClean="0">
+                <a:latin typeface="Segoe UI Semilight" panose="020B0402040204020203" pitchFamily="34" charset="0"/>
+                <a:cs typeface="Segoe UI Semilight" panose="020B0402040204020203" pitchFamily="34" charset="0"/>
+              </a:rPr>
+              <a:t>	</a:t>
             </a:r>
             <a:r>
               <a:rPr lang="ru-RU" sz="1400" dirty="0" err="1" smtClean="0">
                 <a:latin typeface="Segoe UI Semilight" panose="020B0402040204020203" pitchFamily="34" charset="0"/>
                 <a:cs typeface="Segoe UI Semilight" panose="020B0402040204020203" pitchFamily="34" charset="0"/>
               </a:rPr>
-              <a:t>дн</a:t>
+              <a:t>Потоцкий</a:t>
             </a:r>
             <a:r>
               <a:rPr lang="ru-RU" sz="1400" dirty="0" smtClean="0">
                 <a:latin typeface="Segoe UI Semilight" panose="020B0402040204020203" pitchFamily="34" charset="0"/>
                 <a:cs typeface="Segoe UI Semilight" panose="020B0402040204020203" pitchFamily="34" charset="0"/>
               </a:rPr>
-              <a:t>.)			</a:t>
-            </a:r>
-            <a:r>
-              <a:rPr lang="en-US" sz="1400" dirty="0" smtClean="0">
-                <a:latin typeface="Segoe UI Semilight" panose="020B0402040204020203" pitchFamily="34" charset="0"/>
-                <a:cs typeface="Segoe UI Semilight" panose="020B0402040204020203" pitchFamily="34" charset="0"/>
-              </a:rPr>
-              <a:t>	</a:t>
-            </a:r>
-            <a:r>
-              <a:rPr lang="ru-RU" sz="1400" dirty="0" smtClean="0">
-                <a:latin typeface="Segoe UI Semilight" panose="020B0402040204020203" pitchFamily="34" charset="0"/>
-                <a:cs typeface="Segoe UI Semilight" panose="020B0402040204020203" pitchFamily="34" charset="0"/>
-              </a:rPr>
-              <a:t>	</a:t>
-            </a:r>
-            <a:r>
-              <a:rPr lang="ru-RU" sz="1400" dirty="0" err="1" smtClean="0">
-                <a:latin typeface="Segoe UI Semilight" panose="020B0402040204020203" pitchFamily="34" charset="0"/>
-                <a:cs typeface="Segoe UI Semilight" panose="020B0402040204020203" pitchFamily="34" charset="0"/>
-              </a:rPr>
-              <a:t>Потоцкий</a:t>
-            </a:r>
-            <a:r>
-              <a:rPr lang="ru-RU" sz="1400" dirty="0" smtClean="0">
-                <a:latin typeface="Segoe UI Semilight" panose="020B0402040204020203" pitchFamily="34" charset="0"/>
-                <a:cs typeface="Segoe UI Semilight" panose="020B0402040204020203" pitchFamily="34" charset="0"/>
-              </a:rPr>
-              <a:t> </a:t>
-            </a:r>
-            <a:r>
-              <a:rPr lang="ru-RU" sz="1400" dirty="0" smtClean="0">
-                <a:latin typeface="Segoe UI Semilight" panose="020B0402040204020203" pitchFamily="34" charset="0"/>
-                <a:cs typeface="Segoe UI Semilight" panose="020B0402040204020203" pitchFamily="34" charset="0"/>
-              </a:rPr>
-              <a:t>Савелий + Корецкий Даниил</a:t>
+              <a:t> Савелий + Корецкий Даниил</a:t>
             </a:r>
             <a:endParaRPr lang="ru-RU" sz="1400" dirty="0">
               <a:latin typeface="Segoe UI Semilight" panose="020B0402040204020203" pitchFamily="34" charset="0"/>
@@ -8576,14 +8645,7 @@
                 <a:latin typeface="Segoe UI Semilight" panose="020B0402040204020203" pitchFamily="34" charset="0"/>
                 <a:cs typeface="Segoe UI Semilight" panose="020B0402040204020203" pitchFamily="34" charset="0"/>
               </a:rPr>
-              <a:t>		Корецкий </a:t>
-            </a:r>
-            <a:r>
-              <a:rPr lang="ru-RU" sz="1400" dirty="0" smtClean="0">
-                <a:latin typeface="Segoe UI Semilight" panose="020B0402040204020203" pitchFamily="34" charset="0"/>
-                <a:cs typeface="Segoe UI Semilight" panose="020B0402040204020203" pitchFamily="34" charset="0"/>
-              </a:rPr>
-              <a:t>Даниил</a:t>
+              <a:t>		Корецкий Даниил</a:t>
             </a:r>
             <a:endParaRPr lang="ru-RU" sz="1200" dirty="0" smtClean="0">
               <a:latin typeface="Segoe UI Semilight" panose="020B0402040204020203" pitchFamily="34" charset="0"/>
@@ -8645,48 +8707,10 @@
             <a:spLocks noGrp="1"/>
           </p:cNvSpPr>
           <p:nvPr>
-            <p:ph type="ctrTitle"/>
-          </p:nvPr>
-        </p:nvSpPr>
-        <p:spPr>
-          <a:xfrm>
-            <a:off x="1012853" y="2194560"/>
-            <a:ext cx="8757539" cy="1856273"/>
-          </a:xfrm>
-        </p:spPr>
-        <p:txBody>
-          <a:bodyPr>
-            <a:noAutofit/>
-          </a:bodyPr>
-          <a:lstStyle/>
-          <a:p>
-            <a:pPr algn="ctr"/>
-            <a:r>
-              <a:rPr lang="ru-RU" sz="6600" dirty="0">
-                <a:latin typeface="Segoe UI Light" panose="020B0502040204020203" pitchFamily="34" charset="0"/>
-                <a:cs typeface="Segoe UI Light" panose="020B0502040204020203" pitchFamily="34" charset="0"/>
-              </a:rPr>
-              <a:t>Спасибо за внимание</a:t>
-            </a:r>
-          </a:p>
-        </p:txBody>
-      </p:sp>
-      <p:sp>
-        <p:nvSpPr>
-          <p:cNvPr id="4" name="Подзаголовок 3"/>
-          <p:cNvSpPr>
-            <a:spLocks noGrp="1"/>
-          </p:cNvSpPr>
-          <p:nvPr>
-            <p:ph type="subTitle" idx="1"/>
-          </p:nvPr>
-        </p:nvSpPr>
-        <p:spPr>
-          <a:xfrm>
-            <a:off x="1381567" y="4050833"/>
-            <a:ext cx="8020110" cy="1096899"/>
-          </a:xfrm>
-        </p:spPr>
+            <p:ph type="title"/>
+          </p:nvPr>
+        </p:nvSpPr>
+        <p:spPr/>
         <p:txBody>
           <a:bodyPr>
             <a:normAutofit/>
@@ -8694,48 +8718,154 @@
           <a:lstStyle/>
           <a:p>
             <a:r>
-              <a:rPr lang="en-US" sz="1100" dirty="0" smtClean="0">
-                <a:solidFill>
-                  <a:schemeClr val="tx1">
-                    <a:lumMod val="75000"/>
-                    <a:lumOff val="25000"/>
-                  </a:schemeClr>
-                </a:solidFill>
-                <a:latin typeface="Segoe UI Light" panose="020B0502040204020203" pitchFamily="34" charset="0"/>
-                <a:cs typeface="Segoe UI Light" panose="020B0502040204020203" pitchFamily="34" charset="0"/>
-              </a:rPr>
-              <a:t>.</a:t>
-            </a:r>
-            <a:endParaRPr lang="ru-RU" sz="1100" dirty="0">
-              <a:solidFill>
-                <a:schemeClr val="tx1">
-                  <a:lumMod val="75000"/>
-                  <a:lumOff val="25000"/>
-                </a:schemeClr>
-              </a:solidFill>
-              <a:latin typeface="Segoe UI Light" panose="020B0502040204020203" pitchFamily="34" charset="0"/>
-              <a:cs typeface="Segoe UI Light" panose="020B0502040204020203" pitchFamily="34" charset="0"/>
+              <a:rPr lang="ru-RU" sz="4000" dirty="0" smtClean="0">
+                <a:latin typeface="Segoe UI" panose="020B0502040204020203" pitchFamily="34" charset="0"/>
+                <a:cs typeface="Segoe UI" panose="020B0502040204020203" pitchFamily="34" charset="0"/>
+              </a:rPr>
+              <a:t>Итоги работы</a:t>
+            </a:r>
+            <a:endParaRPr lang="ru-RU" sz="4000" dirty="0">
+              <a:latin typeface="Segoe UI" panose="020B0502040204020203" pitchFamily="34" charset="0"/>
+              <a:cs typeface="Segoe UI" panose="020B0502040204020203" pitchFamily="34" charset="0"/>
             </a:endParaRPr>
           </a:p>
         </p:txBody>
       </p:sp>
+      <p:sp>
+        <p:nvSpPr>
+          <p:cNvPr id="3" name="Объект 2"/>
+          <p:cNvSpPr>
+            <a:spLocks noGrp="1"/>
+          </p:cNvSpPr>
+          <p:nvPr>
+            <p:ph idx="1"/>
+          </p:nvPr>
+        </p:nvSpPr>
+        <p:spPr>
+          <a:xfrm>
+            <a:off x="265227" y="1930399"/>
+            <a:ext cx="7163184" cy="4357190"/>
+          </a:xfrm>
+        </p:spPr>
+        <p:txBody>
+          <a:bodyPr>
+            <a:normAutofit/>
+          </a:bodyPr>
+          <a:lstStyle/>
+          <a:p>
+            <a:r>
+              <a:rPr lang="ru-RU" dirty="0" smtClean="0"/>
+              <a:t>Создан работающий прототип приложения, справляющийся с поставленной задачей</a:t>
+            </a:r>
+          </a:p>
+          <a:p>
+            <a:r>
+              <a:rPr lang="ru-RU" dirty="0" smtClean="0"/>
+              <a:t>Все модули были написаны и протестированы</a:t>
+            </a:r>
+          </a:p>
+          <a:p>
+            <a:pPr lvl="1">
+              <a:buFont typeface="Arial" panose="020B0604020202020204" pitchFamily="34" charset="0"/>
+              <a:buChar char="•"/>
+            </a:pPr>
+            <a:r>
+              <a:rPr lang="ru-RU" dirty="0" smtClean="0"/>
+              <a:t>Модуль графического интерфейса претерпел изменения из-за невозможности его реализации в изначальном виде </a:t>
+            </a:r>
+          </a:p>
+          <a:p>
+            <a:pPr lvl="1">
+              <a:buFont typeface="Arial" panose="020B0604020202020204" pitchFamily="34" charset="0"/>
+              <a:buChar char="•"/>
+            </a:pPr>
+            <a:r>
+              <a:rPr lang="ru-RU" dirty="0" smtClean="0"/>
+              <a:t>Модуль связи с интернетом был вырезан в ходе оптимизации за ненадобностью</a:t>
+            </a:r>
+          </a:p>
+          <a:p>
+            <a:pPr lvl="1">
+              <a:buFont typeface="Arial" panose="020B0604020202020204" pitchFamily="34" charset="0"/>
+              <a:buChar char="•"/>
+            </a:pPr>
+            <a:r>
+              <a:rPr lang="ru-RU" dirty="0" smtClean="0"/>
+              <a:t>Модуль связи с устройством, работы с файлами и </a:t>
+            </a:r>
+            <a:r>
+              <a:rPr lang="ru-RU" dirty="0" err="1" smtClean="0"/>
+              <a:t>логирования</a:t>
+            </a:r>
+            <a:r>
+              <a:rPr lang="ru-RU" dirty="0" smtClean="0"/>
+              <a:t> успешно справляются со своей задачей</a:t>
+            </a:r>
+          </a:p>
+          <a:p>
+            <a:r>
+              <a:rPr lang="ru-RU" dirty="0" smtClean="0"/>
+              <a:t>Общая концепция программы претерпела некоторые изменения в ходе </a:t>
+            </a:r>
+            <a:r>
+              <a:rPr lang="ru-RU" dirty="0" smtClean="0"/>
+              <a:t>написания</a:t>
+            </a:r>
+            <a:endParaRPr lang="ru-RU" dirty="0" smtClean="0"/>
+          </a:p>
+        </p:txBody>
+      </p:sp>
+      <p:pic>
+        <p:nvPicPr>
+          <p:cNvPr id="1026" name="Picture 2" descr="https://raw.githubusercontent.com/SavaLione/Radix/master/assets/png/MainMenu.png"/>
+          <p:cNvPicPr>
+            <a:picLocks noChangeAspect="1" noChangeArrowheads="1"/>
+          </p:cNvPicPr>
+          <p:nvPr/>
+        </p:nvPicPr>
+        <p:blipFill>
+          <a:blip r:embed="rId2">
+            <a:extLst>
+              <a:ext uri="{28A0092B-C50C-407E-A947-70E740481C1C}">
+                <a14:useLocalDpi xmlns:a14="http://schemas.microsoft.com/office/drawing/2010/main" val="0"/>
+              </a:ext>
+            </a:extLst>
+          </a:blip>
+          <a:srcRect/>
+          <a:stretch>
+            <a:fillRect/>
+          </a:stretch>
+        </p:blipFill>
+        <p:spPr bwMode="auto">
+          <a:xfrm>
+            <a:off x="7303686" y="2098767"/>
+            <a:ext cx="2643863" cy="1933938"/>
+          </a:xfrm>
+          <a:prstGeom prst="rect">
+            <a:avLst/>
+          </a:prstGeom>
+          <a:noFill/>
+          <a:extLst>
+            <a:ext uri="{909E8E84-426E-40DD-AFC4-6F175D3DCCD1}">
+              <a14:hiddenFill xmlns:a14="http://schemas.microsoft.com/office/drawing/2010/main">
+                <a:solidFill>
+                  <a:srgbClr val="FFFFFF"/>
+                </a:solidFill>
+              </a14:hiddenFill>
+            </a:ext>
+          </a:extLst>
+        </p:spPr>
+      </p:pic>
     </p:spTree>
     <p:extLst>
       <p:ext uri="{BB962C8B-B14F-4D97-AF65-F5344CB8AC3E}">
-        <p14:creationId xmlns:p14="http://schemas.microsoft.com/office/powerpoint/2010/main" val="3515281565"/>
+        <p14:creationId xmlns:p14="http://schemas.microsoft.com/office/powerpoint/2010/main" val="3349117038"/>
       </p:ext>
     </p:extLst>
   </p:cSld>
   <p:clrMapOvr>
     <a:masterClrMapping/>
   </p:clrMapOvr>
-  <p:timing>
-    <p:tnLst>
-      <p:par>
-        <p:cTn id="1" dur="indefinite" restart="never" nodeType="tmRoot"/>
-      </p:par>
-    </p:tnLst>
-  </p:timing>
 </p:sld>
 </file>
 
@@ -8763,13 +8893,46 @@
             <a:spLocks noGrp="1"/>
           </p:cNvSpPr>
           <p:nvPr>
-            <p:ph type="title"/>
+            <p:ph type="ctrTitle"/>
           </p:nvPr>
         </p:nvSpPr>
         <p:spPr>
           <a:xfrm>
-            <a:off x="677334" y="592182"/>
-            <a:ext cx="8596668" cy="1320800"/>
+            <a:off x="1012853" y="2194560"/>
+            <a:ext cx="8757539" cy="1856273"/>
+          </a:xfrm>
+        </p:spPr>
+        <p:txBody>
+          <a:bodyPr>
+            <a:noAutofit/>
+          </a:bodyPr>
+          <a:lstStyle/>
+          <a:p>
+            <a:pPr algn="ctr"/>
+            <a:r>
+              <a:rPr lang="ru-RU" sz="6600" dirty="0">
+                <a:latin typeface="Segoe UI Light" panose="020B0502040204020203" pitchFamily="34" charset="0"/>
+                <a:cs typeface="Segoe UI Light" panose="020B0502040204020203" pitchFamily="34" charset="0"/>
+              </a:rPr>
+              <a:t>Спасибо за внимание</a:t>
+            </a:r>
+          </a:p>
+        </p:txBody>
+      </p:sp>
+      <p:sp>
+        <p:nvSpPr>
+          <p:cNvPr id="4" name="Подзаголовок 3"/>
+          <p:cNvSpPr>
+            <a:spLocks noGrp="1"/>
+          </p:cNvSpPr>
+          <p:nvPr>
+            <p:ph type="subTitle" idx="1"/>
+          </p:nvPr>
+        </p:nvSpPr>
+        <p:spPr>
+          <a:xfrm>
+            <a:off x="1381567" y="4050833"/>
+            <a:ext cx="8020110" cy="1096899"/>
           </a:xfrm>
         </p:spPr>
         <p:txBody>
@@ -8779,285 +8942,35 @@
           <a:lstStyle/>
           <a:p>
             <a:r>
-              <a:rPr lang="ru-RU" sz="4000" dirty="0" smtClean="0">
-                <a:latin typeface="Segoe UI" panose="020B0502040204020203" pitchFamily="34" charset="0"/>
-                <a:cs typeface="Segoe UI" panose="020B0502040204020203" pitchFamily="34" charset="0"/>
-              </a:rPr>
-              <a:t>Преимущества </a:t>
-            </a:r>
-            <a:r>
-              <a:rPr lang="en-US" sz="4000" dirty="0" smtClean="0">
-                <a:latin typeface="Segoe UI" panose="020B0502040204020203" pitchFamily="34" charset="0"/>
-                <a:cs typeface="Segoe UI" panose="020B0502040204020203" pitchFamily="34" charset="0"/>
-              </a:rPr>
-              <a:t>root</a:t>
-            </a:r>
-            <a:r>
-              <a:rPr lang="ru-RU" sz="4000" dirty="0" smtClean="0">
-                <a:latin typeface="Segoe UI" panose="020B0502040204020203" pitchFamily="34" charset="0"/>
-                <a:cs typeface="Segoe UI" panose="020B0502040204020203" pitchFamily="34" charset="0"/>
-              </a:rPr>
-              <a:t>-прав</a:t>
-            </a:r>
-            <a:endParaRPr lang="ru-RU" sz="4000" dirty="0">
-              <a:latin typeface="Segoe UI" panose="020B0502040204020203" pitchFamily="34" charset="0"/>
-              <a:cs typeface="Segoe UI" panose="020B0502040204020203" pitchFamily="34" charset="0"/>
+              <a:rPr lang="en-US" sz="1100" dirty="0" smtClean="0">
+                <a:solidFill>
+                  <a:schemeClr val="tx1">
+                    <a:lumMod val="75000"/>
+                    <a:lumOff val="25000"/>
+                  </a:schemeClr>
+                </a:solidFill>
+                <a:latin typeface="Segoe UI Light" panose="020B0502040204020203" pitchFamily="34" charset="0"/>
+                <a:cs typeface="Segoe UI Light" panose="020B0502040204020203" pitchFamily="34" charset="0"/>
+              </a:rPr>
+              <a:t>.</a:t>
+            </a:r>
+            <a:endParaRPr lang="ru-RU" sz="1100" dirty="0">
+              <a:solidFill>
+                <a:schemeClr val="tx1">
+                  <a:lumMod val="75000"/>
+                  <a:lumOff val="25000"/>
+                </a:schemeClr>
+              </a:solidFill>
+              <a:latin typeface="Segoe UI Light" panose="020B0502040204020203" pitchFamily="34" charset="0"/>
+              <a:cs typeface="Segoe UI Light" panose="020B0502040204020203" pitchFamily="34" charset="0"/>
             </a:endParaRPr>
           </a:p>
         </p:txBody>
       </p:sp>
-      <p:sp>
-        <p:nvSpPr>
-          <p:cNvPr id="3" name="Объект 2"/>
-          <p:cNvSpPr>
-            <a:spLocks noGrp="1"/>
-          </p:cNvSpPr>
-          <p:nvPr>
-            <p:ph idx="1"/>
-          </p:nvPr>
-        </p:nvSpPr>
-        <p:spPr>
-          <a:xfrm>
-            <a:off x="677334" y="1805577"/>
-            <a:ext cx="8596668" cy="4444274"/>
-          </a:xfrm>
-        </p:spPr>
-        <p:txBody>
-          <a:bodyPr>
-            <a:noAutofit/>
-          </a:bodyPr>
-          <a:lstStyle/>
-          <a:p>
-            <a:r>
-              <a:rPr lang="ru-RU" dirty="0" smtClean="0">
-                <a:latin typeface="Segoe UI Semilight" panose="020B0402040204020203" pitchFamily="34" charset="0"/>
-                <a:cs typeface="Segoe UI Semilight" panose="020B0402040204020203" pitchFamily="34" charset="0"/>
-              </a:rPr>
-              <a:t>Открывается горизонт новых возможностей</a:t>
-            </a:r>
-            <a:r>
-              <a:rPr lang="en-US" dirty="0" smtClean="0">
-                <a:latin typeface="Segoe UI Semilight" panose="020B0402040204020203" pitchFamily="34" charset="0"/>
-                <a:cs typeface="Segoe UI Semilight" panose="020B0402040204020203" pitchFamily="34" charset="0"/>
-              </a:rPr>
-              <a:t>:</a:t>
-            </a:r>
-            <a:endParaRPr lang="ru-RU" dirty="0" smtClean="0">
-              <a:latin typeface="Segoe UI Semilight" panose="020B0402040204020203" pitchFamily="34" charset="0"/>
-              <a:cs typeface="Segoe UI Semilight" panose="020B0402040204020203" pitchFamily="34" charset="0"/>
-            </a:endParaRPr>
-          </a:p>
-          <a:p>
-            <a:pPr lvl="1">
-              <a:buFont typeface="Arial" panose="020B0604020202020204" pitchFamily="34" charset="0"/>
-              <a:buChar char="•"/>
-            </a:pPr>
-            <a:r>
-              <a:rPr lang="ru-RU" sz="1400" dirty="0" smtClean="0">
-                <a:latin typeface="Segoe UI Semilight" panose="020B0402040204020203" pitchFamily="34" charset="0"/>
-                <a:cs typeface="Segoe UI Semilight" panose="020B0402040204020203" pitchFamily="34" charset="0"/>
-              </a:rPr>
-              <a:t>Ограничение интернет трафика в мобильных сетях</a:t>
-            </a:r>
-            <a:r>
-              <a:rPr lang="en-US" sz="1400" dirty="0" smtClean="0">
-                <a:latin typeface="Segoe UI Semilight" panose="020B0402040204020203" pitchFamily="34" charset="0"/>
-                <a:cs typeface="Segoe UI Semilight" panose="020B0402040204020203" pitchFamily="34" charset="0"/>
-              </a:rPr>
-              <a:t>;</a:t>
-            </a:r>
-            <a:endParaRPr lang="ru-RU" sz="1400" dirty="0" smtClean="0">
-              <a:latin typeface="Segoe UI Semilight" panose="020B0402040204020203" pitchFamily="34" charset="0"/>
-              <a:cs typeface="Segoe UI Semilight" panose="020B0402040204020203" pitchFamily="34" charset="0"/>
-            </a:endParaRPr>
-          </a:p>
-          <a:p>
-            <a:pPr lvl="1">
-              <a:buFont typeface="Arial" panose="020B0604020202020204" pitchFamily="34" charset="0"/>
-              <a:buChar char="•"/>
-            </a:pPr>
-            <a:r>
-              <a:rPr lang="ru-RU" sz="1400" dirty="0" smtClean="0">
-                <a:latin typeface="Segoe UI Semilight" panose="020B0402040204020203" pitchFamily="34" charset="0"/>
-                <a:cs typeface="Segoe UI Semilight" panose="020B0402040204020203" pitchFamily="34" charset="0"/>
-              </a:rPr>
-              <a:t>Блокирование рекламы</a:t>
-            </a:r>
-            <a:r>
-              <a:rPr lang="en-US" sz="1400" dirty="0" smtClean="0">
-                <a:latin typeface="Segoe UI Semilight" panose="020B0402040204020203" pitchFamily="34" charset="0"/>
-                <a:cs typeface="Segoe UI Semilight" panose="020B0402040204020203" pitchFamily="34" charset="0"/>
-              </a:rPr>
-              <a:t>;</a:t>
-            </a:r>
-            <a:endParaRPr lang="ru-RU" sz="1400" dirty="0" smtClean="0">
-              <a:latin typeface="Segoe UI Semilight" panose="020B0402040204020203" pitchFamily="34" charset="0"/>
-              <a:cs typeface="Segoe UI Semilight" panose="020B0402040204020203" pitchFamily="34" charset="0"/>
-            </a:endParaRPr>
-          </a:p>
-          <a:p>
-            <a:pPr lvl="1">
-              <a:buFont typeface="Arial" panose="020B0604020202020204" pitchFamily="34" charset="0"/>
-              <a:buChar char="•"/>
-            </a:pPr>
-            <a:r>
-              <a:rPr lang="ru-RU" sz="1400" dirty="0" smtClean="0">
-                <a:latin typeface="Segoe UI Semilight" panose="020B0402040204020203" pitchFamily="34" charset="0"/>
-                <a:cs typeface="Segoe UI Semilight" panose="020B0402040204020203" pitchFamily="34" charset="0"/>
-              </a:rPr>
-              <a:t>Контроль </a:t>
-            </a:r>
-            <a:r>
-              <a:rPr lang="ru-RU" sz="1400" dirty="0">
-                <a:latin typeface="Segoe UI Semilight" panose="020B0402040204020203" pitchFamily="34" charset="0"/>
-                <a:cs typeface="Segoe UI Semilight" panose="020B0402040204020203" pitchFamily="34" charset="0"/>
-              </a:rPr>
-              <a:t>действий </a:t>
-            </a:r>
-            <a:r>
-              <a:rPr lang="ru-RU" sz="1400" dirty="0" smtClean="0">
-                <a:latin typeface="Segoe UI Semilight" panose="020B0402040204020203" pitchFamily="34" charset="0"/>
-                <a:cs typeface="Segoe UI Semilight" panose="020B0402040204020203" pitchFamily="34" charset="0"/>
-              </a:rPr>
-              <a:t>приложений</a:t>
-            </a:r>
-            <a:r>
-              <a:rPr lang="en-US" sz="1400" dirty="0" smtClean="0">
-                <a:latin typeface="Segoe UI Semilight" panose="020B0402040204020203" pitchFamily="34" charset="0"/>
-                <a:cs typeface="Segoe UI Semilight" panose="020B0402040204020203" pitchFamily="34" charset="0"/>
-              </a:rPr>
-              <a:t>;</a:t>
-            </a:r>
-            <a:endParaRPr lang="ru-RU" sz="1400" dirty="0">
-              <a:latin typeface="Segoe UI Semilight" panose="020B0402040204020203" pitchFamily="34" charset="0"/>
-              <a:cs typeface="Segoe UI Semilight" panose="020B0402040204020203" pitchFamily="34" charset="0"/>
-            </a:endParaRPr>
-          </a:p>
-          <a:p>
-            <a:pPr lvl="1">
-              <a:buFont typeface="Arial" panose="020B0604020202020204" pitchFamily="34" charset="0"/>
-              <a:buChar char="•"/>
-            </a:pPr>
-            <a:r>
-              <a:rPr lang="ru-RU" sz="1400" dirty="0" smtClean="0">
-                <a:latin typeface="Segoe UI Semilight" panose="020B0402040204020203" pitchFamily="34" charset="0"/>
-                <a:cs typeface="Segoe UI Semilight" panose="020B0402040204020203" pitchFamily="34" charset="0"/>
-              </a:rPr>
-              <a:t>Замена </a:t>
-            </a:r>
-            <a:r>
-              <a:rPr lang="ru-RU" sz="1400" dirty="0">
-                <a:latin typeface="Segoe UI Semilight" panose="020B0402040204020203" pitchFamily="34" charset="0"/>
-                <a:cs typeface="Segoe UI Semilight" panose="020B0402040204020203" pitchFamily="34" charset="0"/>
-              </a:rPr>
-              <a:t>и удаление стандартных </a:t>
-            </a:r>
-            <a:r>
-              <a:rPr lang="ru-RU" sz="1400" dirty="0" smtClean="0">
-                <a:latin typeface="Segoe UI Semilight" panose="020B0402040204020203" pitchFamily="34" charset="0"/>
-                <a:cs typeface="Segoe UI Semilight" panose="020B0402040204020203" pitchFamily="34" charset="0"/>
-              </a:rPr>
-              <a:t>программ</a:t>
-            </a:r>
-            <a:r>
-              <a:rPr lang="en-US" sz="1400" dirty="0" smtClean="0">
-                <a:latin typeface="Segoe UI Semilight" panose="020B0402040204020203" pitchFamily="34" charset="0"/>
-                <a:cs typeface="Segoe UI Semilight" panose="020B0402040204020203" pitchFamily="34" charset="0"/>
-              </a:rPr>
-              <a:t>;</a:t>
-            </a:r>
-            <a:endParaRPr lang="ru-RU" sz="1400" dirty="0">
-              <a:latin typeface="Segoe UI Semilight" panose="020B0402040204020203" pitchFamily="34" charset="0"/>
-              <a:cs typeface="Segoe UI Semilight" panose="020B0402040204020203" pitchFamily="34" charset="0"/>
-            </a:endParaRPr>
-          </a:p>
-          <a:p>
-            <a:pPr lvl="1">
-              <a:buFont typeface="Arial" panose="020B0604020202020204" pitchFamily="34" charset="0"/>
-              <a:buChar char="•"/>
-            </a:pPr>
-            <a:r>
-              <a:rPr lang="ru-RU" sz="1400" dirty="0">
-                <a:latin typeface="Segoe UI Semilight" panose="020B0402040204020203" pitchFamily="34" charset="0"/>
-                <a:cs typeface="Segoe UI Semilight" panose="020B0402040204020203" pitchFamily="34" charset="0"/>
-              </a:rPr>
-              <a:t>Перенос данных и создание резервных копий </a:t>
-            </a:r>
-            <a:r>
-              <a:rPr lang="ru-RU" sz="1400" dirty="0" smtClean="0">
-                <a:latin typeface="Segoe UI Semilight" panose="020B0402040204020203" pitchFamily="34" charset="0"/>
-                <a:cs typeface="Segoe UI Semilight" panose="020B0402040204020203" pitchFamily="34" charset="0"/>
-              </a:rPr>
-              <a:t>приложений и др.</a:t>
-            </a:r>
-            <a:endParaRPr lang="ru-RU" sz="1400" dirty="0">
-              <a:latin typeface="Segoe UI Semilight" panose="020B0402040204020203" pitchFamily="34" charset="0"/>
-              <a:cs typeface="Segoe UI Semilight" panose="020B0402040204020203" pitchFamily="34" charset="0"/>
-            </a:endParaRPr>
-          </a:p>
-        </p:txBody>
-      </p:sp>
-      <p:pic>
-        <p:nvPicPr>
-          <p:cNvPr id="2050" name="Picture 2" descr="Картинки по запросу root android"/>
-          <p:cNvPicPr>
-            <a:picLocks noChangeAspect="1" noChangeArrowheads="1"/>
-          </p:cNvPicPr>
-          <p:nvPr/>
-        </p:nvPicPr>
-        <p:blipFill>
-          <a:blip r:embed="rId2" cstate="print">
-            <a:duotone>
-              <a:schemeClr val="accent1">
-                <a:shade val="45000"/>
-                <a:satMod val="135000"/>
-              </a:schemeClr>
-              <a:prstClr val="white"/>
-            </a:duotone>
-            <a:extLst>
-              <a:ext uri="{BEBA8EAE-BF5A-486C-A8C5-ECC9F3942E4B}">
-                <a14:imgProps xmlns:a14="http://schemas.microsoft.com/office/drawing/2010/main">
-                  <a14:imgLayer r:embed="rId3">
-                    <a14:imgEffect>
-                      <a14:sharpenSoften amount="25000"/>
-                    </a14:imgEffect>
-                  </a14:imgLayer>
-                </a14:imgProps>
-              </a:ext>
-              <a:ext uri="{28A0092B-C50C-407E-A947-70E740481C1C}">
-                <a14:useLocalDpi xmlns:a14="http://schemas.microsoft.com/office/drawing/2010/main" val="0"/>
-              </a:ext>
-            </a:extLst>
-          </a:blip>
-          <a:srcRect/>
-          <a:stretch>
-            <a:fillRect/>
-          </a:stretch>
-        </p:blipFill>
-        <p:spPr bwMode="auto">
-          <a:xfrm>
-            <a:off x="677334" y="4659086"/>
-            <a:ext cx="2168733" cy="2198914"/>
-          </a:xfrm>
-          <a:prstGeom prst="rect">
-            <a:avLst/>
-          </a:prstGeom>
-          <a:noFill/>
-          <a:extLst>
-            <a:ext uri="{909E8E84-426E-40DD-AFC4-6F175D3DCCD1}">
-              <a14:hiddenFill xmlns:a14="http://schemas.microsoft.com/office/drawing/2010/main">
-                <a:solidFill>
-                  <a:srgbClr val="FFFFFF"/>
-                </a:solidFill>
-              </a14:hiddenFill>
-            </a:ext>
-          </a:extLst>
-        </p:spPr>
-      </p:pic>
     </p:spTree>
     <p:extLst>
       <p:ext uri="{BB962C8B-B14F-4D97-AF65-F5344CB8AC3E}">
-        <p14:creationId xmlns:p14="http://schemas.microsoft.com/office/powerpoint/2010/main" val="1347771005"/>
+        <p14:creationId xmlns:p14="http://schemas.microsoft.com/office/powerpoint/2010/main" val="3515281565"/>
       </p:ext>
     </p:extLst>
   </p:cSld>
